--- a/presentations/sol2/C++ Now/2018.03.28 - ThePhD - Compile Fast, Run Faster, Scale Forever.pptx
+++ b/presentations/sol2/C++ Now/2018.03.28 - ThePhD - Compile Fast, Run Faster, Scale Forever.pptx
@@ -265,7 +265,7 @@
           <a:effectLst/>
           <a:extLst>
             <a:ext uri="{91240B29-F687-4f45-9708-019B960494DF}">
-              <a14:hiddenLine xmlns="" xmlns:a14="http://schemas.microsoft.com/office/drawing/2010/main" w="9525">
+              <a14:hiddenLine xmlns:a14="http://schemas.microsoft.com/office/drawing/2010/main" xmlns="" w="9525">
                 <a:solidFill>
                   <a:srgbClr val="000000"/>
                 </a:solidFill>
@@ -1803,7 +1803,7 @@
           <a:ln/>
           <a:extLst>
             <a:ext uri="{91240B29-F687-4f45-9708-019B960494DF}">
-              <a14:hiddenLine xmlns="" xmlns:a14="http://schemas.microsoft.com/office/drawing/2010/main" w="9525">
+              <a14:hiddenLine xmlns:a14="http://schemas.microsoft.com/office/drawing/2010/main" xmlns="" w="9525">
                 <a:solidFill>
                   <a:srgbClr val="000000"/>
                 </a:solidFill>
@@ -2081,7 +2081,7 @@
           <a:ln/>
           <a:extLst>
             <a:ext uri="{91240B29-F687-4f45-9708-019B960494DF}">
-              <a14:hiddenLine xmlns="" xmlns:a14="http://schemas.microsoft.com/office/drawing/2010/main" w="9525">
+              <a14:hiddenLine xmlns:a14="http://schemas.microsoft.com/office/drawing/2010/main" xmlns="" w="9525">
                 <a:solidFill>
                   <a:srgbClr val="000000"/>
                 </a:solidFill>
@@ -2372,7 +2372,7 @@
           <a:ln/>
           <a:extLst>
             <a:ext uri="{91240B29-F687-4f45-9708-019B960494DF}">
-              <a14:hiddenLine xmlns="" xmlns:a14="http://schemas.microsoft.com/office/drawing/2010/main" w="9525">
+              <a14:hiddenLine xmlns:a14="http://schemas.microsoft.com/office/drawing/2010/main" xmlns="" w="9525">
                 <a:solidFill>
                   <a:srgbClr val="000000"/>
                 </a:solidFill>
@@ -3008,7 +3008,7 @@
           <a:ln/>
           <a:extLst>
             <a:ext uri="{91240B29-F687-4f45-9708-019B960494DF}">
-              <a14:hiddenLine xmlns="" xmlns:a14="http://schemas.microsoft.com/office/drawing/2010/main" w="9525">
+              <a14:hiddenLine xmlns:a14="http://schemas.microsoft.com/office/drawing/2010/main" xmlns="" w="9525">
                 <a:solidFill>
                   <a:srgbClr val="000000"/>
                 </a:solidFill>
@@ -3350,7 +3350,7 @@
           <a:ln/>
           <a:extLst>
             <a:ext uri="{91240B29-F687-4f45-9708-019B960494DF}">
-              <a14:hiddenLine xmlns="" xmlns:a14="http://schemas.microsoft.com/office/drawing/2010/main" w="9525">
+              <a14:hiddenLine xmlns:a14="http://schemas.microsoft.com/office/drawing/2010/main" xmlns="" w="9525">
                 <a:solidFill>
                   <a:srgbClr val="000000"/>
                 </a:solidFill>
@@ -3830,7 +3830,7 @@
           <a:ln/>
           <a:extLst>
             <a:ext uri="{91240B29-F687-4f45-9708-019B960494DF}">
-              <a14:hiddenLine xmlns="" xmlns:a14="http://schemas.microsoft.com/office/drawing/2010/main" w="9525">
+              <a14:hiddenLine xmlns:a14="http://schemas.microsoft.com/office/drawing/2010/main" xmlns="" w="9525">
                 <a:solidFill>
                   <a:srgbClr val="000000"/>
                 </a:solidFill>
@@ -4263,7 +4263,7 @@
           <a:ln/>
           <a:extLst>
             <a:ext uri="{91240B29-F687-4f45-9708-019B960494DF}">
-              <a14:hiddenLine xmlns="" xmlns:a14="http://schemas.microsoft.com/office/drawing/2010/main" w="9525">
+              <a14:hiddenLine xmlns:a14="http://schemas.microsoft.com/office/drawing/2010/main" xmlns="" w="9525">
                 <a:solidFill>
                   <a:srgbClr val="000000"/>
                 </a:solidFill>
@@ -19254,7 +19254,7 @@
                 <a:latin typeface="Fira Code" panose="020B0509050000020004" pitchFamily="49" charset="0"/>
                 <a:ea typeface="Fira Code" panose="020B0509050000020004" pitchFamily="49" charset="0"/>
               </a:rPr>
-              <a:t>if (</a:t>
+              <a:t>if (!</a:t>
             </a:r>
             <a:r>
               <a:rPr lang="en-US" dirty="0" err="1">
@@ -19491,7 +19491,7 @@
                 <a:latin typeface="Fira Code" panose="020B0509050000020004" pitchFamily="49" charset="0"/>
                 <a:ea typeface="Fira Code" panose="020B0509050000020004" pitchFamily="49" charset="0"/>
               </a:rPr>
-              <a:t>&lt; </a:t>
+              <a:t>&lt;</a:t>
             </a:r>
             <a:r>
               <a:rPr lang="en-US" dirty="0">
@@ -19511,7 +19511,7 @@
                 <a:latin typeface="Fira Code" panose="020B0509050000020004" pitchFamily="49" charset="0"/>
                 <a:ea typeface="Fira Code" panose="020B0509050000020004" pitchFamily="49" charset="0"/>
               </a:rPr>
-              <a:t>* </a:t>
+              <a:t>*</a:t>
             </a:r>
             <a:r>
               <a:rPr lang="en-US" dirty="0">
@@ -19836,7 +19836,7 @@
           <a:p>
             <a:r>
               <a:rPr lang="en-US" dirty="0"/>
-              <a:t>std::future&lt;sol&gt;</a:t>
+              <a:t>std::promise&lt;sol&gt;</a:t>
             </a:r>
           </a:p>
         </p:txBody>
@@ -20981,9 +20981,12 @@
           <a:lstStyle/>
           <a:p>
             <a:r>
-              <a:rPr lang="en-US" dirty="0"/>
+              <a:rPr lang="en-US" dirty="0">
+                <a:hlinkClick r:id="rId2"/>
+              </a:rPr>
               <a:t>http://sol2.rtfd.io/</a:t>
             </a:r>
+            <a:endParaRPr lang="en-US" dirty="0"/>
           </a:p>
         </p:txBody>
       </p:sp>
@@ -21004,7 +21007,7 @@
           </p:nvPr>
         </p:nvPicPr>
         <p:blipFill>
-          <a:blip r:embed="rId2"/>
+          <a:blip r:embed="rId3"/>
           <a:stretch>
             <a:fillRect/>
           </a:stretch>
@@ -21689,6 +21692,36 @@
           </a:p>
         </p:txBody>
       </p:sp>
+      <p:pic>
+        <p:nvPicPr>
+          <p:cNvPr id="6" name="Picture 5">
+            <a:extLst>
+              <a:ext uri="{FF2B5EF4-FFF2-40B4-BE49-F238E27FC236}">
+                <a16:creationId xmlns:a16="http://schemas.microsoft.com/office/drawing/2014/main" id="{F4878765-6E85-4CBD-9396-794BBAE1C53B}"/>
+              </a:ext>
+            </a:extLst>
+          </p:cNvPr>
+          <p:cNvPicPr>
+            <a:picLocks noChangeAspect="1"/>
+          </p:cNvPicPr>
+          <p:nvPr/>
+        </p:nvPicPr>
+        <p:blipFill>
+          <a:blip r:embed="rId2"/>
+          <a:stretch>
+            <a:fillRect/>
+          </a:stretch>
+        </p:blipFill>
+        <p:spPr>
+          <a:xfrm>
+            <a:off x="9337298" y="4328012"/>
+            <a:ext cx="2044700" cy="2044700"/>
+          </a:xfrm>
+          <a:prstGeom prst="rect">
+            <a:avLst/>
+          </a:prstGeom>
+        </p:spPr>
+      </p:pic>
     </p:spTree>
     <p:extLst>
       <p:ext uri="{BB962C8B-B14F-4D97-AF65-F5344CB8AC3E}">
